--- a/ppt 16-9/1322.耶和华常在我.pptx
+++ b/ppt 16-9/1322.耶和华常在我.pptx
@@ -129,7 +129,7 @@
           <p:cNvPr id="2" name="标题 1">
             <a:extLst>
               <a:ext uri="{FF2B5EF4-FFF2-40B4-BE49-F238E27FC236}">
-                <a16:creationId xmlns:a16="http://schemas.microsoft.com/office/drawing/2014/main" id="{86C4D5DF-A04D-5A23-40C1-CC3A0AF2FCD2}"/>
+                <a16:creationId xmlns:a16="http://schemas.microsoft.com/office/drawing/2014/main" id="{AAD46A1C-04CF-0D8D-1BB3-3CDCC6099A91}"/>
               </a:ext>
             </a:extLst>
           </p:cNvPr>
@@ -166,7 +166,7 @@
           <p:cNvPr id="3" name="副标题 2">
             <a:extLst>
               <a:ext uri="{FF2B5EF4-FFF2-40B4-BE49-F238E27FC236}">
-                <a16:creationId xmlns:a16="http://schemas.microsoft.com/office/drawing/2014/main" id="{99861C7C-0C96-F5D0-4238-6F4045C1D4B1}"/>
+                <a16:creationId xmlns:a16="http://schemas.microsoft.com/office/drawing/2014/main" id="{45A9D078-BC1E-4629-EA05-DC12D343C980}"/>
               </a:ext>
             </a:extLst>
           </p:cNvPr>
@@ -236,7 +236,7 @@
           <p:cNvPr id="4" name="日期占位符 3">
             <a:extLst>
               <a:ext uri="{FF2B5EF4-FFF2-40B4-BE49-F238E27FC236}">
-                <a16:creationId xmlns:a16="http://schemas.microsoft.com/office/drawing/2014/main" id="{9E70CEEF-1510-7C60-A62C-B1F5105B7F6F}"/>
+                <a16:creationId xmlns:a16="http://schemas.microsoft.com/office/drawing/2014/main" id="{766D5B59-3B04-341F-CFE4-4370E2F53A71}"/>
               </a:ext>
             </a:extLst>
           </p:cNvPr>
@@ -252,7 +252,7 @@
           <a:bodyPr/>
           <a:lstStyle/>
           <a:p>
-            <a:fld id="{F13BE784-E138-4DFC-BD06-E7A83F3191E6}" type="datetimeFigureOut">
+            <a:fld id="{AC946704-744B-4D19-85DB-101255ADEDC8}" type="datetimeFigureOut">
               <a:rPr lang="zh-CN" altLang="en-US" smtClean="0"/>
               <a:t>2024/3/10</a:t>
             </a:fld>
@@ -265,7 +265,7 @@
           <p:cNvPr id="5" name="页脚占位符 4">
             <a:extLst>
               <a:ext uri="{FF2B5EF4-FFF2-40B4-BE49-F238E27FC236}">
-                <a16:creationId xmlns:a16="http://schemas.microsoft.com/office/drawing/2014/main" id="{3BE44C29-1A37-9403-10CD-52FEC621B434}"/>
+                <a16:creationId xmlns:a16="http://schemas.microsoft.com/office/drawing/2014/main" id="{4B874E52-D760-A6E0-5870-EBF2E421FB14}"/>
               </a:ext>
             </a:extLst>
           </p:cNvPr>
@@ -290,7 +290,7 @@
           <p:cNvPr id="6" name="灯片编号占位符 5">
             <a:extLst>
               <a:ext uri="{FF2B5EF4-FFF2-40B4-BE49-F238E27FC236}">
-                <a16:creationId xmlns:a16="http://schemas.microsoft.com/office/drawing/2014/main" id="{D7EDAE66-556E-8D9A-8A00-DFF3EC67ED28}"/>
+                <a16:creationId xmlns:a16="http://schemas.microsoft.com/office/drawing/2014/main" id="{D794A36B-2C72-321E-69AB-8D3E68EBE152}"/>
               </a:ext>
             </a:extLst>
           </p:cNvPr>
@@ -306,7 +306,7 @@
           <a:bodyPr/>
           <a:lstStyle/>
           <a:p>
-            <a:fld id="{CEDFED45-D821-4765-B971-F427A92204B6}" type="slidenum">
+            <a:fld id="{BBF41C4E-255E-44B5-8376-D21C5958163B}" type="slidenum">
               <a:rPr lang="zh-CN" altLang="en-US" smtClean="0"/>
               <a:t>‹#›</a:t>
             </a:fld>
@@ -317,7 +317,7 @@
     </p:spTree>
     <p:extLst>
       <p:ext uri="{BB962C8B-B14F-4D97-AF65-F5344CB8AC3E}">
-        <p14:creationId xmlns:p14="http://schemas.microsoft.com/office/powerpoint/2010/main" val="411808207"/>
+        <p14:creationId xmlns:p14="http://schemas.microsoft.com/office/powerpoint/2010/main" val="3482925749"/>
       </p:ext>
     </p:extLst>
   </p:cSld>
@@ -349,7 +349,7 @@
           <p:cNvPr id="2" name="标题 1">
             <a:extLst>
               <a:ext uri="{FF2B5EF4-FFF2-40B4-BE49-F238E27FC236}">
-                <a16:creationId xmlns:a16="http://schemas.microsoft.com/office/drawing/2014/main" id="{59EC4650-0CCF-A8D3-D7D4-3949238F41A6}"/>
+                <a16:creationId xmlns:a16="http://schemas.microsoft.com/office/drawing/2014/main" id="{87CADB2F-9738-B472-756A-D9CBFD5F898C}"/>
               </a:ext>
             </a:extLst>
           </p:cNvPr>
@@ -377,7 +377,7 @@
           <p:cNvPr id="3" name="竖排文字占位符 2">
             <a:extLst>
               <a:ext uri="{FF2B5EF4-FFF2-40B4-BE49-F238E27FC236}">
-                <a16:creationId xmlns:a16="http://schemas.microsoft.com/office/drawing/2014/main" id="{85A7C33B-9FC8-2AB4-B17F-C41518C9EF20}"/>
+                <a16:creationId xmlns:a16="http://schemas.microsoft.com/office/drawing/2014/main" id="{F362145A-9341-72A9-20BE-832C77859060}"/>
               </a:ext>
             </a:extLst>
           </p:cNvPr>
@@ -434,7 +434,7 @@
           <p:cNvPr id="4" name="日期占位符 3">
             <a:extLst>
               <a:ext uri="{FF2B5EF4-FFF2-40B4-BE49-F238E27FC236}">
-                <a16:creationId xmlns:a16="http://schemas.microsoft.com/office/drawing/2014/main" id="{D5CABA8F-6182-0A4C-88E0-1259AEC2E087}"/>
+                <a16:creationId xmlns:a16="http://schemas.microsoft.com/office/drawing/2014/main" id="{BC3F2013-BF9C-576C-A065-C3863ADFE300}"/>
               </a:ext>
             </a:extLst>
           </p:cNvPr>
@@ -450,7 +450,7 @@
           <a:bodyPr/>
           <a:lstStyle/>
           <a:p>
-            <a:fld id="{F13BE784-E138-4DFC-BD06-E7A83F3191E6}" type="datetimeFigureOut">
+            <a:fld id="{AC946704-744B-4D19-85DB-101255ADEDC8}" type="datetimeFigureOut">
               <a:rPr lang="zh-CN" altLang="en-US" smtClean="0"/>
               <a:t>2024/3/10</a:t>
             </a:fld>
@@ -463,7 +463,7 @@
           <p:cNvPr id="5" name="页脚占位符 4">
             <a:extLst>
               <a:ext uri="{FF2B5EF4-FFF2-40B4-BE49-F238E27FC236}">
-                <a16:creationId xmlns:a16="http://schemas.microsoft.com/office/drawing/2014/main" id="{768DC27D-BCF7-59DC-4A05-CA78A4A11E61}"/>
+                <a16:creationId xmlns:a16="http://schemas.microsoft.com/office/drawing/2014/main" id="{6D6CEEBD-033E-1926-4E51-E0FB19D7AEE3}"/>
               </a:ext>
             </a:extLst>
           </p:cNvPr>
@@ -488,7 +488,7 @@
           <p:cNvPr id="6" name="灯片编号占位符 5">
             <a:extLst>
               <a:ext uri="{FF2B5EF4-FFF2-40B4-BE49-F238E27FC236}">
-                <a16:creationId xmlns:a16="http://schemas.microsoft.com/office/drawing/2014/main" id="{FA9E7D9F-3D19-45C3-BABF-19A9C6ED60D6}"/>
+                <a16:creationId xmlns:a16="http://schemas.microsoft.com/office/drawing/2014/main" id="{2F5599D3-EFD5-A044-FE67-9C82C9720B8D}"/>
               </a:ext>
             </a:extLst>
           </p:cNvPr>
@@ -504,7 +504,7 @@
           <a:bodyPr/>
           <a:lstStyle/>
           <a:p>
-            <a:fld id="{CEDFED45-D821-4765-B971-F427A92204B6}" type="slidenum">
+            <a:fld id="{BBF41C4E-255E-44B5-8376-D21C5958163B}" type="slidenum">
               <a:rPr lang="zh-CN" altLang="en-US" smtClean="0"/>
               <a:t>‹#›</a:t>
             </a:fld>
@@ -515,7 +515,7 @@
     </p:spTree>
     <p:extLst>
       <p:ext uri="{BB962C8B-B14F-4D97-AF65-F5344CB8AC3E}">
-        <p14:creationId xmlns:p14="http://schemas.microsoft.com/office/powerpoint/2010/main" val="74712594"/>
+        <p14:creationId xmlns:p14="http://schemas.microsoft.com/office/powerpoint/2010/main" val="1935855124"/>
       </p:ext>
     </p:extLst>
   </p:cSld>
@@ -547,7 +547,7 @@
           <p:cNvPr id="2" name="竖排标题 1">
             <a:extLst>
               <a:ext uri="{FF2B5EF4-FFF2-40B4-BE49-F238E27FC236}">
-                <a16:creationId xmlns:a16="http://schemas.microsoft.com/office/drawing/2014/main" id="{22DDD71B-C126-1E30-1C08-7E0F409CC1C6}"/>
+                <a16:creationId xmlns:a16="http://schemas.microsoft.com/office/drawing/2014/main" id="{11AD5802-EDFB-097B-83A3-EEFBCA36E778}"/>
               </a:ext>
             </a:extLst>
           </p:cNvPr>
@@ -580,7 +580,7 @@
           <p:cNvPr id="3" name="竖排文字占位符 2">
             <a:extLst>
               <a:ext uri="{FF2B5EF4-FFF2-40B4-BE49-F238E27FC236}">
-                <a16:creationId xmlns:a16="http://schemas.microsoft.com/office/drawing/2014/main" id="{51497790-F81E-8026-6531-58F7F06C4EE9}"/>
+                <a16:creationId xmlns:a16="http://schemas.microsoft.com/office/drawing/2014/main" id="{40161A61-BE01-2CA3-C789-B842AFD194FB}"/>
               </a:ext>
             </a:extLst>
           </p:cNvPr>
@@ -642,7 +642,7 @@
           <p:cNvPr id="4" name="日期占位符 3">
             <a:extLst>
               <a:ext uri="{FF2B5EF4-FFF2-40B4-BE49-F238E27FC236}">
-                <a16:creationId xmlns:a16="http://schemas.microsoft.com/office/drawing/2014/main" id="{25E5E298-EA3C-EA84-1FEE-F461598A17C2}"/>
+                <a16:creationId xmlns:a16="http://schemas.microsoft.com/office/drawing/2014/main" id="{F33BEAD2-0F7D-A007-2EE8-B949D0BFBB5E}"/>
               </a:ext>
             </a:extLst>
           </p:cNvPr>
@@ -658,7 +658,7 @@
           <a:bodyPr/>
           <a:lstStyle/>
           <a:p>
-            <a:fld id="{F13BE784-E138-4DFC-BD06-E7A83F3191E6}" type="datetimeFigureOut">
+            <a:fld id="{AC946704-744B-4D19-85DB-101255ADEDC8}" type="datetimeFigureOut">
               <a:rPr lang="zh-CN" altLang="en-US" smtClean="0"/>
               <a:t>2024/3/10</a:t>
             </a:fld>
@@ -671,7 +671,7 @@
           <p:cNvPr id="5" name="页脚占位符 4">
             <a:extLst>
               <a:ext uri="{FF2B5EF4-FFF2-40B4-BE49-F238E27FC236}">
-                <a16:creationId xmlns:a16="http://schemas.microsoft.com/office/drawing/2014/main" id="{98FCDC13-AE1C-9F67-5EB1-0ED46584D6C2}"/>
+                <a16:creationId xmlns:a16="http://schemas.microsoft.com/office/drawing/2014/main" id="{58AC3A46-0EB4-E204-739D-FEB8FEAFE0BE}"/>
               </a:ext>
             </a:extLst>
           </p:cNvPr>
@@ -696,7 +696,7 @@
           <p:cNvPr id="6" name="灯片编号占位符 5">
             <a:extLst>
               <a:ext uri="{FF2B5EF4-FFF2-40B4-BE49-F238E27FC236}">
-                <a16:creationId xmlns:a16="http://schemas.microsoft.com/office/drawing/2014/main" id="{30C1FC73-EC37-BA68-E054-F70C76DDDD4C}"/>
+                <a16:creationId xmlns:a16="http://schemas.microsoft.com/office/drawing/2014/main" id="{E2C823C5-22D8-A554-CC0D-CD4766979CAC}"/>
               </a:ext>
             </a:extLst>
           </p:cNvPr>
@@ -712,7 +712,7 @@
           <a:bodyPr/>
           <a:lstStyle/>
           <a:p>
-            <a:fld id="{CEDFED45-D821-4765-B971-F427A92204B6}" type="slidenum">
+            <a:fld id="{BBF41C4E-255E-44B5-8376-D21C5958163B}" type="slidenum">
               <a:rPr lang="zh-CN" altLang="en-US" smtClean="0"/>
               <a:t>‹#›</a:t>
             </a:fld>
@@ -723,7 +723,7 @@
     </p:spTree>
     <p:extLst>
       <p:ext uri="{BB962C8B-B14F-4D97-AF65-F5344CB8AC3E}">
-        <p14:creationId xmlns:p14="http://schemas.microsoft.com/office/powerpoint/2010/main" val="2278386312"/>
+        <p14:creationId xmlns:p14="http://schemas.microsoft.com/office/powerpoint/2010/main" val="2962779755"/>
       </p:ext>
     </p:extLst>
   </p:cSld>
@@ -755,7 +755,7 @@
           <p:cNvPr id="2" name="标题 1">
             <a:extLst>
               <a:ext uri="{FF2B5EF4-FFF2-40B4-BE49-F238E27FC236}">
-                <a16:creationId xmlns:a16="http://schemas.microsoft.com/office/drawing/2014/main" id="{50F2D443-0F91-4BEF-4966-2242793EA9A4}"/>
+                <a16:creationId xmlns:a16="http://schemas.microsoft.com/office/drawing/2014/main" id="{7334B94F-3CE2-04B4-9CCD-BF553873CD4F}"/>
               </a:ext>
             </a:extLst>
           </p:cNvPr>
@@ -783,7 +783,7 @@
           <p:cNvPr id="3" name="内容占位符 2">
             <a:extLst>
               <a:ext uri="{FF2B5EF4-FFF2-40B4-BE49-F238E27FC236}">
-                <a16:creationId xmlns:a16="http://schemas.microsoft.com/office/drawing/2014/main" id="{B0794E60-014C-08A0-001B-457768A639CD}"/>
+                <a16:creationId xmlns:a16="http://schemas.microsoft.com/office/drawing/2014/main" id="{5F415DBB-CC14-F12A-CAAE-550A62E25A63}"/>
               </a:ext>
             </a:extLst>
           </p:cNvPr>
@@ -840,7 +840,7 @@
           <p:cNvPr id="4" name="日期占位符 3">
             <a:extLst>
               <a:ext uri="{FF2B5EF4-FFF2-40B4-BE49-F238E27FC236}">
-                <a16:creationId xmlns:a16="http://schemas.microsoft.com/office/drawing/2014/main" id="{0BD9B9BC-63BF-6F8A-8E09-93B7706BAC71}"/>
+                <a16:creationId xmlns:a16="http://schemas.microsoft.com/office/drawing/2014/main" id="{1086994E-759D-7A6D-53E8-97B6C2560462}"/>
               </a:ext>
             </a:extLst>
           </p:cNvPr>
@@ -856,7 +856,7 @@
           <a:bodyPr/>
           <a:lstStyle/>
           <a:p>
-            <a:fld id="{F13BE784-E138-4DFC-BD06-E7A83F3191E6}" type="datetimeFigureOut">
+            <a:fld id="{AC946704-744B-4D19-85DB-101255ADEDC8}" type="datetimeFigureOut">
               <a:rPr lang="zh-CN" altLang="en-US" smtClean="0"/>
               <a:t>2024/3/10</a:t>
             </a:fld>
@@ -869,7 +869,7 @@
           <p:cNvPr id="5" name="页脚占位符 4">
             <a:extLst>
               <a:ext uri="{FF2B5EF4-FFF2-40B4-BE49-F238E27FC236}">
-                <a16:creationId xmlns:a16="http://schemas.microsoft.com/office/drawing/2014/main" id="{3CE5315A-785C-1B42-67FD-631C4B8BCE2D}"/>
+                <a16:creationId xmlns:a16="http://schemas.microsoft.com/office/drawing/2014/main" id="{C09271D1-7354-3BA6-47E9-61044BA48C1B}"/>
               </a:ext>
             </a:extLst>
           </p:cNvPr>
@@ -894,7 +894,7 @@
           <p:cNvPr id="6" name="灯片编号占位符 5">
             <a:extLst>
               <a:ext uri="{FF2B5EF4-FFF2-40B4-BE49-F238E27FC236}">
-                <a16:creationId xmlns:a16="http://schemas.microsoft.com/office/drawing/2014/main" id="{CB9755E1-251B-7E5C-9B0E-9D76A3127826}"/>
+                <a16:creationId xmlns:a16="http://schemas.microsoft.com/office/drawing/2014/main" id="{FE6D8C51-4DC0-6310-ACFC-72B5E6319B0A}"/>
               </a:ext>
             </a:extLst>
           </p:cNvPr>
@@ -910,7 +910,7 @@
           <a:bodyPr/>
           <a:lstStyle/>
           <a:p>
-            <a:fld id="{CEDFED45-D821-4765-B971-F427A92204B6}" type="slidenum">
+            <a:fld id="{BBF41C4E-255E-44B5-8376-D21C5958163B}" type="slidenum">
               <a:rPr lang="zh-CN" altLang="en-US" smtClean="0"/>
               <a:t>‹#›</a:t>
             </a:fld>
@@ -921,7 +921,7 @@
     </p:spTree>
     <p:extLst>
       <p:ext uri="{BB962C8B-B14F-4D97-AF65-F5344CB8AC3E}">
-        <p14:creationId xmlns:p14="http://schemas.microsoft.com/office/powerpoint/2010/main" val="317812347"/>
+        <p14:creationId xmlns:p14="http://schemas.microsoft.com/office/powerpoint/2010/main" val="4255544940"/>
       </p:ext>
     </p:extLst>
   </p:cSld>
@@ -953,7 +953,7 @@
           <p:cNvPr id="2" name="标题 1">
             <a:extLst>
               <a:ext uri="{FF2B5EF4-FFF2-40B4-BE49-F238E27FC236}">
-                <a16:creationId xmlns:a16="http://schemas.microsoft.com/office/drawing/2014/main" id="{16407CC5-C51F-990E-1097-DCFE349AE35E}"/>
+                <a16:creationId xmlns:a16="http://schemas.microsoft.com/office/drawing/2014/main" id="{B5D008D8-CB45-5841-AE65-275EBC736EC2}"/>
               </a:ext>
             </a:extLst>
           </p:cNvPr>
@@ -990,7 +990,7 @@
           <p:cNvPr id="3" name="文本占位符 2">
             <a:extLst>
               <a:ext uri="{FF2B5EF4-FFF2-40B4-BE49-F238E27FC236}">
-                <a16:creationId xmlns:a16="http://schemas.microsoft.com/office/drawing/2014/main" id="{09545421-B653-3F5E-6D14-9FC41C2AE73F}"/>
+                <a16:creationId xmlns:a16="http://schemas.microsoft.com/office/drawing/2014/main" id="{357D62A8-94CF-1371-4A0F-4FF00DCAE23E}"/>
               </a:ext>
             </a:extLst>
           </p:cNvPr>
@@ -1115,7 +1115,7 @@
           <p:cNvPr id="4" name="日期占位符 3">
             <a:extLst>
               <a:ext uri="{FF2B5EF4-FFF2-40B4-BE49-F238E27FC236}">
-                <a16:creationId xmlns:a16="http://schemas.microsoft.com/office/drawing/2014/main" id="{B0391332-48E4-78B8-2A26-261B3AD5004C}"/>
+                <a16:creationId xmlns:a16="http://schemas.microsoft.com/office/drawing/2014/main" id="{58F38354-B3F1-31AC-B280-94A87EAB3BED}"/>
               </a:ext>
             </a:extLst>
           </p:cNvPr>
@@ -1131,7 +1131,7 @@
           <a:bodyPr/>
           <a:lstStyle/>
           <a:p>
-            <a:fld id="{F13BE784-E138-4DFC-BD06-E7A83F3191E6}" type="datetimeFigureOut">
+            <a:fld id="{AC946704-744B-4D19-85DB-101255ADEDC8}" type="datetimeFigureOut">
               <a:rPr lang="zh-CN" altLang="en-US" smtClean="0"/>
               <a:t>2024/3/10</a:t>
             </a:fld>
@@ -1144,7 +1144,7 @@
           <p:cNvPr id="5" name="页脚占位符 4">
             <a:extLst>
               <a:ext uri="{FF2B5EF4-FFF2-40B4-BE49-F238E27FC236}">
-                <a16:creationId xmlns:a16="http://schemas.microsoft.com/office/drawing/2014/main" id="{07C52A79-8EC2-C07D-032B-65E8A818557D}"/>
+                <a16:creationId xmlns:a16="http://schemas.microsoft.com/office/drawing/2014/main" id="{0C71F37C-6339-8AF6-7C1C-8E3D940CC48D}"/>
               </a:ext>
             </a:extLst>
           </p:cNvPr>
@@ -1169,7 +1169,7 @@
           <p:cNvPr id="6" name="灯片编号占位符 5">
             <a:extLst>
               <a:ext uri="{FF2B5EF4-FFF2-40B4-BE49-F238E27FC236}">
-                <a16:creationId xmlns:a16="http://schemas.microsoft.com/office/drawing/2014/main" id="{13F2E3D2-B26D-0EA0-9373-4F8FFAFE0CCD}"/>
+                <a16:creationId xmlns:a16="http://schemas.microsoft.com/office/drawing/2014/main" id="{EBD500AA-FBB1-233D-2DA7-24D13DD2E1C6}"/>
               </a:ext>
             </a:extLst>
           </p:cNvPr>
@@ -1185,7 +1185,7 @@
           <a:bodyPr/>
           <a:lstStyle/>
           <a:p>
-            <a:fld id="{CEDFED45-D821-4765-B971-F427A92204B6}" type="slidenum">
+            <a:fld id="{BBF41C4E-255E-44B5-8376-D21C5958163B}" type="slidenum">
               <a:rPr lang="zh-CN" altLang="en-US" smtClean="0"/>
               <a:t>‹#›</a:t>
             </a:fld>
@@ -1196,7 +1196,7 @@
     </p:spTree>
     <p:extLst>
       <p:ext uri="{BB962C8B-B14F-4D97-AF65-F5344CB8AC3E}">
-        <p14:creationId xmlns:p14="http://schemas.microsoft.com/office/powerpoint/2010/main" val="4178537492"/>
+        <p14:creationId xmlns:p14="http://schemas.microsoft.com/office/powerpoint/2010/main" val="1947348513"/>
       </p:ext>
     </p:extLst>
   </p:cSld>
@@ -1228,7 +1228,7 @@
           <p:cNvPr id="2" name="标题 1">
             <a:extLst>
               <a:ext uri="{FF2B5EF4-FFF2-40B4-BE49-F238E27FC236}">
-                <a16:creationId xmlns:a16="http://schemas.microsoft.com/office/drawing/2014/main" id="{1741B052-6D30-BCBA-5992-384CD88B69CB}"/>
+                <a16:creationId xmlns:a16="http://schemas.microsoft.com/office/drawing/2014/main" id="{CA839D2D-E124-8906-61E6-33D27E0223A8}"/>
               </a:ext>
             </a:extLst>
           </p:cNvPr>
@@ -1256,7 +1256,7 @@
           <p:cNvPr id="3" name="内容占位符 2">
             <a:extLst>
               <a:ext uri="{FF2B5EF4-FFF2-40B4-BE49-F238E27FC236}">
-                <a16:creationId xmlns:a16="http://schemas.microsoft.com/office/drawing/2014/main" id="{B1BEC2BB-7E50-F540-6677-671205463811}"/>
+                <a16:creationId xmlns:a16="http://schemas.microsoft.com/office/drawing/2014/main" id="{06294131-249E-4364-0914-E25EEED7BEF8}"/>
               </a:ext>
             </a:extLst>
           </p:cNvPr>
@@ -1318,7 +1318,7 @@
           <p:cNvPr id="4" name="内容占位符 3">
             <a:extLst>
               <a:ext uri="{FF2B5EF4-FFF2-40B4-BE49-F238E27FC236}">
-                <a16:creationId xmlns:a16="http://schemas.microsoft.com/office/drawing/2014/main" id="{15304AEE-FF25-13F1-2A29-35C4ABE19732}"/>
+                <a16:creationId xmlns:a16="http://schemas.microsoft.com/office/drawing/2014/main" id="{A986E3A1-91F3-31E6-74B7-846495382D38}"/>
               </a:ext>
             </a:extLst>
           </p:cNvPr>
@@ -1380,7 +1380,7 @@
           <p:cNvPr id="5" name="日期占位符 4">
             <a:extLst>
               <a:ext uri="{FF2B5EF4-FFF2-40B4-BE49-F238E27FC236}">
-                <a16:creationId xmlns:a16="http://schemas.microsoft.com/office/drawing/2014/main" id="{30545034-0C95-0968-40B5-ED7632668A8B}"/>
+                <a16:creationId xmlns:a16="http://schemas.microsoft.com/office/drawing/2014/main" id="{1FE1576B-10C8-CF0E-9349-B2A32BC0C375}"/>
               </a:ext>
             </a:extLst>
           </p:cNvPr>
@@ -1396,7 +1396,7 @@
           <a:bodyPr/>
           <a:lstStyle/>
           <a:p>
-            <a:fld id="{F13BE784-E138-4DFC-BD06-E7A83F3191E6}" type="datetimeFigureOut">
+            <a:fld id="{AC946704-744B-4D19-85DB-101255ADEDC8}" type="datetimeFigureOut">
               <a:rPr lang="zh-CN" altLang="en-US" smtClean="0"/>
               <a:t>2024/3/10</a:t>
             </a:fld>
@@ -1409,7 +1409,7 @@
           <p:cNvPr id="6" name="页脚占位符 5">
             <a:extLst>
               <a:ext uri="{FF2B5EF4-FFF2-40B4-BE49-F238E27FC236}">
-                <a16:creationId xmlns:a16="http://schemas.microsoft.com/office/drawing/2014/main" id="{B6F01080-BFD4-F0E7-BE07-81AAAC2135FB}"/>
+                <a16:creationId xmlns:a16="http://schemas.microsoft.com/office/drawing/2014/main" id="{60F851E6-0613-FF18-11BA-66481A5AD17A}"/>
               </a:ext>
             </a:extLst>
           </p:cNvPr>
@@ -1434,7 +1434,7 @@
           <p:cNvPr id="7" name="灯片编号占位符 6">
             <a:extLst>
               <a:ext uri="{FF2B5EF4-FFF2-40B4-BE49-F238E27FC236}">
-                <a16:creationId xmlns:a16="http://schemas.microsoft.com/office/drawing/2014/main" id="{7F449AA0-680A-59CD-78D1-72AE03898C48}"/>
+                <a16:creationId xmlns:a16="http://schemas.microsoft.com/office/drawing/2014/main" id="{57AC37C9-9275-059C-D8CA-7FB3EA12814F}"/>
               </a:ext>
             </a:extLst>
           </p:cNvPr>
@@ -1450,7 +1450,7 @@
           <a:bodyPr/>
           <a:lstStyle/>
           <a:p>
-            <a:fld id="{CEDFED45-D821-4765-B971-F427A92204B6}" type="slidenum">
+            <a:fld id="{BBF41C4E-255E-44B5-8376-D21C5958163B}" type="slidenum">
               <a:rPr lang="zh-CN" altLang="en-US" smtClean="0"/>
               <a:t>‹#›</a:t>
             </a:fld>
@@ -1461,7 +1461,7 @@
     </p:spTree>
     <p:extLst>
       <p:ext uri="{BB962C8B-B14F-4D97-AF65-F5344CB8AC3E}">
-        <p14:creationId xmlns:p14="http://schemas.microsoft.com/office/powerpoint/2010/main" val="956444911"/>
+        <p14:creationId xmlns:p14="http://schemas.microsoft.com/office/powerpoint/2010/main" val="2326553462"/>
       </p:ext>
     </p:extLst>
   </p:cSld>
@@ -1493,7 +1493,7 @@
           <p:cNvPr id="2" name="标题 1">
             <a:extLst>
               <a:ext uri="{FF2B5EF4-FFF2-40B4-BE49-F238E27FC236}">
-                <a16:creationId xmlns:a16="http://schemas.microsoft.com/office/drawing/2014/main" id="{4B8993A1-FB22-10F6-3CCF-3F6CB27B131C}"/>
+                <a16:creationId xmlns:a16="http://schemas.microsoft.com/office/drawing/2014/main" id="{A1C792CD-4CD4-7572-6879-5A92377FF5F9}"/>
               </a:ext>
             </a:extLst>
           </p:cNvPr>
@@ -1526,7 +1526,7 @@
           <p:cNvPr id="3" name="文本占位符 2">
             <a:extLst>
               <a:ext uri="{FF2B5EF4-FFF2-40B4-BE49-F238E27FC236}">
-                <a16:creationId xmlns:a16="http://schemas.microsoft.com/office/drawing/2014/main" id="{F2BC39B6-76D7-C40D-DF8E-D34472AC04C9}"/>
+                <a16:creationId xmlns:a16="http://schemas.microsoft.com/office/drawing/2014/main" id="{9136A944-C773-0B23-8DC6-0A2F19FF5D04}"/>
               </a:ext>
             </a:extLst>
           </p:cNvPr>
@@ -1597,7 +1597,7 @@
           <p:cNvPr id="4" name="内容占位符 3">
             <a:extLst>
               <a:ext uri="{FF2B5EF4-FFF2-40B4-BE49-F238E27FC236}">
-                <a16:creationId xmlns:a16="http://schemas.microsoft.com/office/drawing/2014/main" id="{4E0EC1EB-7497-9D21-A9A9-E56A42615716}"/>
+                <a16:creationId xmlns:a16="http://schemas.microsoft.com/office/drawing/2014/main" id="{8EB40A47-B839-320D-7645-E7D96655937B}"/>
               </a:ext>
             </a:extLst>
           </p:cNvPr>
@@ -1659,7 +1659,7 @@
           <p:cNvPr id="5" name="文本占位符 4">
             <a:extLst>
               <a:ext uri="{FF2B5EF4-FFF2-40B4-BE49-F238E27FC236}">
-                <a16:creationId xmlns:a16="http://schemas.microsoft.com/office/drawing/2014/main" id="{16F5737C-C4DD-1559-F627-ED2F513D24FF}"/>
+                <a16:creationId xmlns:a16="http://schemas.microsoft.com/office/drawing/2014/main" id="{ED6D6658-B1E1-1CB4-E8B6-65E882B18D2A}"/>
               </a:ext>
             </a:extLst>
           </p:cNvPr>
@@ -1730,7 +1730,7 @@
           <p:cNvPr id="6" name="内容占位符 5">
             <a:extLst>
               <a:ext uri="{FF2B5EF4-FFF2-40B4-BE49-F238E27FC236}">
-                <a16:creationId xmlns:a16="http://schemas.microsoft.com/office/drawing/2014/main" id="{0ACE2CD6-0DE8-E443-47F5-A0DBAC2747C2}"/>
+                <a16:creationId xmlns:a16="http://schemas.microsoft.com/office/drawing/2014/main" id="{CDC9D46B-2DEC-BA1F-13B2-5FE6C3232F38}"/>
               </a:ext>
             </a:extLst>
           </p:cNvPr>
@@ -1792,7 +1792,7 @@
           <p:cNvPr id="7" name="日期占位符 6">
             <a:extLst>
               <a:ext uri="{FF2B5EF4-FFF2-40B4-BE49-F238E27FC236}">
-                <a16:creationId xmlns:a16="http://schemas.microsoft.com/office/drawing/2014/main" id="{51428DFC-F928-3ACD-EB41-119A2FEAA109}"/>
+                <a16:creationId xmlns:a16="http://schemas.microsoft.com/office/drawing/2014/main" id="{048F2681-A3F8-321C-4A71-10E2CBE18EA8}"/>
               </a:ext>
             </a:extLst>
           </p:cNvPr>
@@ -1808,7 +1808,7 @@
           <a:bodyPr/>
           <a:lstStyle/>
           <a:p>
-            <a:fld id="{F13BE784-E138-4DFC-BD06-E7A83F3191E6}" type="datetimeFigureOut">
+            <a:fld id="{AC946704-744B-4D19-85DB-101255ADEDC8}" type="datetimeFigureOut">
               <a:rPr lang="zh-CN" altLang="en-US" smtClean="0"/>
               <a:t>2024/3/10</a:t>
             </a:fld>
@@ -1821,7 +1821,7 @@
           <p:cNvPr id="8" name="页脚占位符 7">
             <a:extLst>
               <a:ext uri="{FF2B5EF4-FFF2-40B4-BE49-F238E27FC236}">
-                <a16:creationId xmlns:a16="http://schemas.microsoft.com/office/drawing/2014/main" id="{4ECEEA8B-9579-F9E3-AA2E-7434CF55ECD3}"/>
+                <a16:creationId xmlns:a16="http://schemas.microsoft.com/office/drawing/2014/main" id="{D35C903C-DAA6-B2AE-F826-D97BFA2C8460}"/>
               </a:ext>
             </a:extLst>
           </p:cNvPr>
@@ -1846,7 +1846,7 @@
           <p:cNvPr id="9" name="灯片编号占位符 8">
             <a:extLst>
               <a:ext uri="{FF2B5EF4-FFF2-40B4-BE49-F238E27FC236}">
-                <a16:creationId xmlns:a16="http://schemas.microsoft.com/office/drawing/2014/main" id="{4DF06285-12AD-9149-7B9B-90A407709CBB}"/>
+                <a16:creationId xmlns:a16="http://schemas.microsoft.com/office/drawing/2014/main" id="{D0FCB5EA-72BF-AFB9-0524-6049AB365CF2}"/>
               </a:ext>
             </a:extLst>
           </p:cNvPr>
@@ -1862,7 +1862,7 @@
           <a:bodyPr/>
           <a:lstStyle/>
           <a:p>
-            <a:fld id="{CEDFED45-D821-4765-B971-F427A92204B6}" type="slidenum">
+            <a:fld id="{BBF41C4E-255E-44B5-8376-D21C5958163B}" type="slidenum">
               <a:rPr lang="zh-CN" altLang="en-US" smtClean="0"/>
               <a:t>‹#›</a:t>
             </a:fld>
@@ -1873,7 +1873,7 @@
     </p:spTree>
     <p:extLst>
       <p:ext uri="{BB962C8B-B14F-4D97-AF65-F5344CB8AC3E}">
-        <p14:creationId xmlns:p14="http://schemas.microsoft.com/office/powerpoint/2010/main" val="135593837"/>
+        <p14:creationId xmlns:p14="http://schemas.microsoft.com/office/powerpoint/2010/main" val="1044323998"/>
       </p:ext>
     </p:extLst>
   </p:cSld>
@@ -1905,7 +1905,7 @@
           <p:cNvPr id="2" name="标题 1">
             <a:extLst>
               <a:ext uri="{FF2B5EF4-FFF2-40B4-BE49-F238E27FC236}">
-                <a16:creationId xmlns:a16="http://schemas.microsoft.com/office/drawing/2014/main" id="{E73FEAB7-2B02-A191-EA66-9760912A894B}"/>
+                <a16:creationId xmlns:a16="http://schemas.microsoft.com/office/drawing/2014/main" id="{2EDC4100-1C61-3044-DDB3-D2B33AFFFD1F}"/>
               </a:ext>
             </a:extLst>
           </p:cNvPr>
@@ -1933,7 +1933,7 @@
           <p:cNvPr id="3" name="日期占位符 2">
             <a:extLst>
               <a:ext uri="{FF2B5EF4-FFF2-40B4-BE49-F238E27FC236}">
-                <a16:creationId xmlns:a16="http://schemas.microsoft.com/office/drawing/2014/main" id="{1E54EAE0-6A7F-A1A6-FAD3-31C162B15E59}"/>
+                <a16:creationId xmlns:a16="http://schemas.microsoft.com/office/drawing/2014/main" id="{D107FC86-E9FA-1164-5BE0-3EBE03971532}"/>
               </a:ext>
             </a:extLst>
           </p:cNvPr>
@@ -1949,7 +1949,7 @@
           <a:bodyPr/>
           <a:lstStyle/>
           <a:p>
-            <a:fld id="{F13BE784-E138-4DFC-BD06-E7A83F3191E6}" type="datetimeFigureOut">
+            <a:fld id="{AC946704-744B-4D19-85DB-101255ADEDC8}" type="datetimeFigureOut">
               <a:rPr lang="zh-CN" altLang="en-US" smtClean="0"/>
               <a:t>2024/3/10</a:t>
             </a:fld>
@@ -1962,7 +1962,7 @@
           <p:cNvPr id="4" name="页脚占位符 3">
             <a:extLst>
               <a:ext uri="{FF2B5EF4-FFF2-40B4-BE49-F238E27FC236}">
-                <a16:creationId xmlns:a16="http://schemas.microsoft.com/office/drawing/2014/main" id="{717A0E3D-0FE1-1D82-3372-DDF840B2E8F7}"/>
+                <a16:creationId xmlns:a16="http://schemas.microsoft.com/office/drawing/2014/main" id="{CDED170C-CB86-A3C2-88EC-39976004BA0D}"/>
               </a:ext>
             </a:extLst>
           </p:cNvPr>
@@ -1987,7 +1987,7 @@
           <p:cNvPr id="5" name="灯片编号占位符 4">
             <a:extLst>
               <a:ext uri="{FF2B5EF4-FFF2-40B4-BE49-F238E27FC236}">
-                <a16:creationId xmlns:a16="http://schemas.microsoft.com/office/drawing/2014/main" id="{530A38B0-4BCE-6D0C-7F81-05EF6FB204C3}"/>
+                <a16:creationId xmlns:a16="http://schemas.microsoft.com/office/drawing/2014/main" id="{B028BC50-B6AF-D724-2555-E3E6E86F63AD}"/>
               </a:ext>
             </a:extLst>
           </p:cNvPr>
@@ -2003,7 +2003,7 @@
           <a:bodyPr/>
           <a:lstStyle/>
           <a:p>
-            <a:fld id="{CEDFED45-D821-4765-B971-F427A92204B6}" type="slidenum">
+            <a:fld id="{BBF41C4E-255E-44B5-8376-D21C5958163B}" type="slidenum">
               <a:rPr lang="zh-CN" altLang="en-US" smtClean="0"/>
               <a:t>‹#›</a:t>
             </a:fld>
@@ -2014,7 +2014,7 @@
     </p:spTree>
     <p:extLst>
       <p:ext uri="{BB962C8B-B14F-4D97-AF65-F5344CB8AC3E}">
-        <p14:creationId xmlns:p14="http://schemas.microsoft.com/office/powerpoint/2010/main" val="2439672423"/>
+        <p14:creationId xmlns:p14="http://schemas.microsoft.com/office/powerpoint/2010/main" val="29280727"/>
       </p:ext>
     </p:extLst>
   </p:cSld>
@@ -2046,7 +2046,7 @@
           <p:cNvPr id="2" name="日期占位符 1">
             <a:extLst>
               <a:ext uri="{FF2B5EF4-FFF2-40B4-BE49-F238E27FC236}">
-                <a16:creationId xmlns:a16="http://schemas.microsoft.com/office/drawing/2014/main" id="{02FF6C93-B66E-A58A-7CE4-24CAB79CA8C0}"/>
+                <a16:creationId xmlns:a16="http://schemas.microsoft.com/office/drawing/2014/main" id="{DAF4C5F6-3015-741B-47EB-AA24F55E6BE5}"/>
               </a:ext>
             </a:extLst>
           </p:cNvPr>
@@ -2062,7 +2062,7 @@
           <a:bodyPr/>
           <a:lstStyle/>
           <a:p>
-            <a:fld id="{F13BE784-E138-4DFC-BD06-E7A83F3191E6}" type="datetimeFigureOut">
+            <a:fld id="{AC946704-744B-4D19-85DB-101255ADEDC8}" type="datetimeFigureOut">
               <a:rPr lang="zh-CN" altLang="en-US" smtClean="0"/>
               <a:t>2024/3/10</a:t>
             </a:fld>
@@ -2075,7 +2075,7 @@
           <p:cNvPr id="3" name="页脚占位符 2">
             <a:extLst>
               <a:ext uri="{FF2B5EF4-FFF2-40B4-BE49-F238E27FC236}">
-                <a16:creationId xmlns:a16="http://schemas.microsoft.com/office/drawing/2014/main" id="{4C2D0A76-989A-FBB9-C5BF-BD907F35B255}"/>
+                <a16:creationId xmlns:a16="http://schemas.microsoft.com/office/drawing/2014/main" id="{FBC4EFDE-4B3E-7E60-5A8A-CC92823C2C4E}"/>
               </a:ext>
             </a:extLst>
           </p:cNvPr>
@@ -2100,7 +2100,7 @@
           <p:cNvPr id="4" name="灯片编号占位符 3">
             <a:extLst>
               <a:ext uri="{FF2B5EF4-FFF2-40B4-BE49-F238E27FC236}">
-                <a16:creationId xmlns:a16="http://schemas.microsoft.com/office/drawing/2014/main" id="{B9A7EE0D-2560-41B7-E21D-D38BDAB6D7D3}"/>
+                <a16:creationId xmlns:a16="http://schemas.microsoft.com/office/drawing/2014/main" id="{975FDE40-2BF5-0844-5D95-9488E16C6B8F}"/>
               </a:ext>
             </a:extLst>
           </p:cNvPr>
@@ -2116,7 +2116,7 @@
           <a:bodyPr/>
           <a:lstStyle/>
           <a:p>
-            <a:fld id="{CEDFED45-D821-4765-B971-F427A92204B6}" type="slidenum">
+            <a:fld id="{BBF41C4E-255E-44B5-8376-D21C5958163B}" type="slidenum">
               <a:rPr lang="zh-CN" altLang="en-US" smtClean="0"/>
               <a:t>‹#›</a:t>
             </a:fld>
@@ -2127,7 +2127,7 @@
     </p:spTree>
     <p:extLst>
       <p:ext uri="{BB962C8B-B14F-4D97-AF65-F5344CB8AC3E}">
-        <p14:creationId xmlns:p14="http://schemas.microsoft.com/office/powerpoint/2010/main" val="841251821"/>
+        <p14:creationId xmlns:p14="http://schemas.microsoft.com/office/powerpoint/2010/main" val="1761602351"/>
       </p:ext>
     </p:extLst>
   </p:cSld>
@@ -2159,7 +2159,7 @@
           <p:cNvPr id="2" name="标题 1">
             <a:extLst>
               <a:ext uri="{FF2B5EF4-FFF2-40B4-BE49-F238E27FC236}">
-                <a16:creationId xmlns:a16="http://schemas.microsoft.com/office/drawing/2014/main" id="{1B3832DE-9137-DD89-62EA-541FE29FDC4F}"/>
+                <a16:creationId xmlns:a16="http://schemas.microsoft.com/office/drawing/2014/main" id="{2E3C9CA9-0F8A-3416-2FF8-5ACFB4546DD6}"/>
               </a:ext>
             </a:extLst>
           </p:cNvPr>
@@ -2196,7 +2196,7 @@
           <p:cNvPr id="3" name="内容占位符 2">
             <a:extLst>
               <a:ext uri="{FF2B5EF4-FFF2-40B4-BE49-F238E27FC236}">
-                <a16:creationId xmlns:a16="http://schemas.microsoft.com/office/drawing/2014/main" id="{991B16D1-6A92-37E6-A5A1-7ED023CDF6CC}"/>
+                <a16:creationId xmlns:a16="http://schemas.microsoft.com/office/drawing/2014/main" id="{514A7E82-2174-56E3-FBB1-EF72817D4425}"/>
               </a:ext>
             </a:extLst>
           </p:cNvPr>
@@ -2286,7 +2286,7 @@
           <p:cNvPr id="4" name="文本占位符 3">
             <a:extLst>
               <a:ext uri="{FF2B5EF4-FFF2-40B4-BE49-F238E27FC236}">
-                <a16:creationId xmlns:a16="http://schemas.microsoft.com/office/drawing/2014/main" id="{03D72E31-5E9D-10A5-068B-2D63DF165D15}"/>
+                <a16:creationId xmlns:a16="http://schemas.microsoft.com/office/drawing/2014/main" id="{78556077-287C-E88F-1282-572C82AEDFC9}"/>
               </a:ext>
             </a:extLst>
           </p:cNvPr>
@@ -2357,7 +2357,7 @@
           <p:cNvPr id="5" name="日期占位符 4">
             <a:extLst>
               <a:ext uri="{FF2B5EF4-FFF2-40B4-BE49-F238E27FC236}">
-                <a16:creationId xmlns:a16="http://schemas.microsoft.com/office/drawing/2014/main" id="{EC47530C-44C6-1FFD-65E5-0CC45BB81C82}"/>
+                <a16:creationId xmlns:a16="http://schemas.microsoft.com/office/drawing/2014/main" id="{5FDF39F6-CDB1-E7E3-9B91-9A300D2BF247}"/>
               </a:ext>
             </a:extLst>
           </p:cNvPr>
@@ -2373,7 +2373,7 @@
           <a:bodyPr/>
           <a:lstStyle/>
           <a:p>
-            <a:fld id="{F13BE784-E138-4DFC-BD06-E7A83F3191E6}" type="datetimeFigureOut">
+            <a:fld id="{AC946704-744B-4D19-85DB-101255ADEDC8}" type="datetimeFigureOut">
               <a:rPr lang="zh-CN" altLang="en-US" smtClean="0"/>
               <a:t>2024/3/10</a:t>
             </a:fld>
@@ -2386,7 +2386,7 @@
           <p:cNvPr id="6" name="页脚占位符 5">
             <a:extLst>
               <a:ext uri="{FF2B5EF4-FFF2-40B4-BE49-F238E27FC236}">
-                <a16:creationId xmlns:a16="http://schemas.microsoft.com/office/drawing/2014/main" id="{80DD99DE-A98A-F1B8-E1AE-36EEE4934FEF}"/>
+                <a16:creationId xmlns:a16="http://schemas.microsoft.com/office/drawing/2014/main" id="{0702F674-51F1-8BC1-8C16-D892DED3F38C}"/>
               </a:ext>
             </a:extLst>
           </p:cNvPr>
@@ -2411,7 +2411,7 @@
           <p:cNvPr id="7" name="灯片编号占位符 6">
             <a:extLst>
               <a:ext uri="{FF2B5EF4-FFF2-40B4-BE49-F238E27FC236}">
-                <a16:creationId xmlns:a16="http://schemas.microsoft.com/office/drawing/2014/main" id="{8A9B881E-EA44-F6CF-53F0-9DE1354B8E1F}"/>
+                <a16:creationId xmlns:a16="http://schemas.microsoft.com/office/drawing/2014/main" id="{890F3D0C-1C6E-FF1F-80E6-C85EB6D3AEB1}"/>
               </a:ext>
             </a:extLst>
           </p:cNvPr>
@@ -2427,7 +2427,7 @@
           <a:bodyPr/>
           <a:lstStyle/>
           <a:p>
-            <a:fld id="{CEDFED45-D821-4765-B971-F427A92204B6}" type="slidenum">
+            <a:fld id="{BBF41C4E-255E-44B5-8376-D21C5958163B}" type="slidenum">
               <a:rPr lang="zh-CN" altLang="en-US" smtClean="0"/>
               <a:t>‹#›</a:t>
             </a:fld>
@@ -2438,7 +2438,7 @@
     </p:spTree>
     <p:extLst>
       <p:ext uri="{BB962C8B-B14F-4D97-AF65-F5344CB8AC3E}">
-        <p14:creationId xmlns:p14="http://schemas.microsoft.com/office/powerpoint/2010/main" val="2319759762"/>
+        <p14:creationId xmlns:p14="http://schemas.microsoft.com/office/powerpoint/2010/main" val="2269612234"/>
       </p:ext>
     </p:extLst>
   </p:cSld>
@@ -2470,7 +2470,7 @@
           <p:cNvPr id="2" name="标题 1">
             <a:extLst>
               <a:ext uri="{FF2B5EF4-FFF2-40B4-BE49-F238E27FC236}">
-                <a16:creationId xmlns:a16="http://schemas.microsoft.com/office/drawing/2014/main" id="{75F086D0-BA6A-796A-0CF9-3B6DDE2A0CC0}"/>
+                <a16:creationId xmlns:a16="http://schemas.microsoft.com/office/drawing/2014/main" id="{91D15FA8-E7D6-4AA5-4FFE-30F303D505B6}"/>
               </a:ext>
             </a:extLst>
           </p:cNvPr>
@@ -2507,7 +2507,7 @@
           <p:cNvPr id="3" name="图片占位符 2">
             <a:extLst>
               <a:ext uri="{FF2B5EF4-FFF2-40B4-BE49-F238E27FC236}">
-                <a16:creationId xmlns:a16="http://schemas.microsoft.com/office/drawing/2014/main" id="{52372A53-ADFE-CD0A-E30E-60AC6408BC26}"/>
+                <a16:creationId xmlns:a16="http://schemas.microsoft.com/office/drawing/2014/main" id="{4354274F-F05D-CF0D-C88B-7737D6A8DB3D}"/>
               </a:ext>
             </a:extLst>
           </p:cNvPr>
@@ -2574,7 +2574,7 @@
           <p:cNvPr id="4" name="文本占位符 3">
             <a:extLst>
               <a:ext uri="{FF2B5EF4-FFF2-40B4-BE49-F238E27FC236}">
-                <a16:creationId xmlns:a16="http://schemas.microsoft.com/office/drawing/2014/main" id="{BEF82E3C-6BB2-BE86-2ECC-3EA2CE029FE9}"/>
+                <a16:creationId xmlns:a16="http://schemas.microsoft.com/office/drawing/2014/main" id="{B29C3231-BA4A-7E51-8F48-F64EB3886B10}"/>
               </a:ext>
             </a:extLst>
           </p:cNvPr>
@@ -2645,7 +2645,7 @@
           <p:cNvPr id="5" name="日期占位符 4">
             <a:extLst>
               <a:ext uri="{FF2B5EF4-FFF2-40B4-BE49-F238E27FC236}">
-                <a16:creationId xmlns:a16="http://schemas.microsoft.com/office/drawing/2014/main" id="{8341665E-5ABC-F3A3-3FC4-136512B5353B}"/>
+                <a16:creationId xmlns:a16="http://schemas.microsoft.com/office/drawing/2014/main" id="{9D852A6B-32FD-0B73-F463-3026F4A3A7E8}"/>
               </a:ext>
             </a:extLst>
           </p:cNvPr>
@@ -2661,7 +2661,7 @@
           <a:bodyPr/>
           <a:lstStyle/>
           <a:p>
-            <a:fld id="{F13BE784-E138-4DFC-BD06-E7A83F3191E6}" type="datetimeFigureOut">
+            <a:fld id="{AC946704-744B-4D19-85DB-101255ADEDC8}" type="datetimeFigureOut">
               <a:rPr lang="zh-CN" altLang="en-US" smtClean="0"/>
               <a:t>2024/3/10</a:t>
             </a:fld>
@@ -2674,7 +2674,7 @@
           <p:cNvPr id="6" name="页脚占位符 5">
             <a:extLst>
               <a:ext uri="{FF2B5EF4-FFF2-40B4-BE49-F238E27FC236}">
-                <a16:creationId xmlns:a16="http://schemas.microsoft.com/office/drawing/2014/main" id="{D6D87164-E2A2-F8DA-4227-CE7AE49C65AF}"/>
+                <a16:creationId xmlns:a16="http://schemas.microsoft.com/office/drawing/2014/main" id="{291A7CCD-7E6A-B97A-2CB9-005741C95536}"/>
               </a:ext>
             </a:extLst>
           </p:cNvPr>
@@ -2699,7 +2699,7 @@
           <p:cNvPr id="7" name="灯片编号占位符 6">
             <a:extLst>
               <a:ext uri="{FF2B5EF4-FFF2-40B4-BE49-F238E27FC236}">
-                <a16:creationId xmlns:a16="http://schemas.microsoft.com/office/drawing/2014/main" id="{4F270197-8E9A-EADF-7B62-4A75C6631B7C}"/>
+                <a16:creationId xmlns:a16="http://schemas.microsoft.com/office/drawing/2014/main" id="{335F9905-C882-4BEC-DD95-1A97D3169A43}"/>
               </a:ext>
             </a:extLst>
           </p:cNvPr>
@@ -2715,7 +2715,7 @@
           <a:bodyPr/>
           <a:lstStyle/>
           <a:p>
-            <a:fld id="{CEDFED45-D821-4765-B971-F427A92204B6}" type="slidenum">
+            <a:fld id="{BBF41C4E-255E-44B5-8376-D21C5958163B}" type="slidenum">
               <a:rPr lang="zh-CN" altLang="en-US" smtClean="0"/>
               <a:t>‹#›</a:t>
             </a:fld>
@@ -2726,7 +2726,7 @@
     </p:spTree>
     <p:extLst>
       <p:ext uri="{BB962C8B-B14F-4D97-AF65-F5344CB8AC3E}">
-        <p14:creationId xmlns:p14="http://schemas.microsoft.com/office/powerpoint/2010/main" val="579054644"/>
+        <p14:creationId xmlns:p14="http://schemas.microsoft.com/office/powerpoint/2010/main" val="807068109"/>
       </p:ext>
     </p:extLst>
   </p:cSld>
@@ -2763,7 +2763,7 @@
           <p:cNvPr id="2" name="标题占位符 1">
             <a:extLst>
               <a:ext uri="{FF2B5EF4-FFF2-40B4-BE49-F238E27FC236}">
-                <a16:creationId xmlns:a16="http://schemas.microsoft.com/office/drawing/2014/main" id="{FEC81DDB-B147-CD26-8361-FB5D3C3E739F}"/>
+                <a16:creationId xmlns:a16="http://schemas.microsoft.com/office/drawing/2014/main" id="{769F535B-17F1-B7CE-E2B0-5D05ADE5E026}"/>
               </a:ext>
             </a:extLst>
           </p:cNvPr>
@@ -2801,7 +2801,7 @@
           <p:cNvPr id="3" name="文本占位符 2">
             <a:extLst>
               <a:ext uri="{FF2B5EF4-FFF2-40B4-BE49-F238E27FC236}">
-                <a16:creationId xmlns:a16="http://schemas.microsoft.com/office/drawing/2014/main" id="{7E7D7964-5A8D-875F-8B19-D97523DAF832}"/>
+                <a16:creationId xmlns:a16="http://schemas.microsoft.com/office/drawing/2014/main" id="{2089BFE1-EC66-4B51-4AED-2BF7E56E0527}"/>
               </a:ext>
             </a:extLst>
           </p:cNvPr>
@@ -2868,7 +2868,7 @@
           <p:cNvPr id="4" name="日期占位符 3">
             <a:extLst>
               <a:ext uri="{FF2B5EF4-FFF2-40B4-BE49-F238E27FC236}">
-                <a16:creationId xmlns:a16="http://schemas.microsoft.com/office/drawing/2014/main" id="{C7539470-DE08-94DD-430D-71FC47FB9B3B}"/>
+                <a16:creationId xmlns:a16="http://schemas.microsoft.com/office/drawing/2014/main" id="{D285BDFD-A1E3-FDBC-15D6-4505F146309E}"/>
               </a:ext>
             </a:extLst>
           </p:cNvPr>
@@ -2902,7 +2902,7 @@
             </a:lvl1pPr>
           </a:lstStyle>
           <a:p>
-            <a:fld id="{F13BE784-E138-4DFC-BD06-E7A83F3191E6}" type="datetimeFigureOut">
+            <a:fld id="{AC946704-744B-4D19-85DB-101255ADEDC8}" type="datetimeFigureOut">
               <a:rPr lang="zh-CN" altLang="en-US" smtClean="0"/>
               <a:t>2024/3/10</a:t>
             </a:fld>
@@ -2915,7 +2915,7 @@
           <p:cNvPr id="5" name="页脚占位符 4">
             <a:extLst>
               <a:ext uri="{FF2B5EF4-FFF2-40B4-BE49-F238E27FC236}">
-                <a16:creationId xmlns:a16="http://schemas.microsoft.com/office/drawing/2014/main" id="{2BBD201C-B8E4-3CE0-AB2B-5FE1FC5826DF}"/>
+                <a16:creationId xmlns:a16="http://schemas.microsoft.com/office/drawing/2014/main" id="{C23C4D35-70FE-C77D-CE39-A1F98B77A31D}"/>
               </a:ext>
             </a:extLst>
           </p:cNvPr>
@@ -2958,7 +2958,7 @@
           <p:cNvPr id="6" name="灯片编号占位符 5">
             <a:extLst>
               <a:ext uri="{FF2B5EF4-FFF2-40B4-BE49-F238E27FC236}">
-                <a16:creationId xmlns:a16="http://schemas.microsoft.com/office/drawing/2014/main" id="{809FC7DA-E676-A3DA-081B-0028FD8F1330}"/>
+                <a16:creationId xmlns:a16="http://schemas.microsoft.com/office/drawing/2014/main" id="{A43A633C-81CD-E433-A5BA-6FA39CBE27C4}"/>
               </a:ext>
             </a:extLst>
           </p:cNvPr>
@@ -2992,7 +2992,7 @@
             </a:lvl1pPr>
           </a:lstStyle>
           <a:p>
-            <a:fld id="{CEDFED45-D821-4765-B971-F427A92204B6}" type="slidenum">
+            <a:fld id="{BBF41C4E-255E-44B5-8376-D21C5958163B}" type="slidenum">
               <a:rPr lang="zh-CN" altLang="en-US" smtClean="0"/>
               <a:t>‹#›</a:t>
             </a:fld>
@@ -3003,7 +3003,7 @@
     </p:spTree>
     <p:extLst>
       <p:ext uri="{BB962C8B-B14F-4D97-AF65-F5344CB8AC3E}">
-        <p14:creationId xmlns:p14="http://schemas.microsoft.com/office/powerpoint/2010/main" val="1196437830"/>
+        <p14:creationId xmlns:p14="http://schemas.microsoft.com/office/powerpoint/2010/main" val="2203519804"/>
       </p:ext>
     </p:extLst>
   </p:cSld>
